--- a/fastKdTree/Documents/FastKdTree.pptx
+++ b/fastKdTree/Documents/FastKdTree.pptx
@@ -323,7 +323,7 @@
           <a:p>
             <a:fld id="{70BA1CFD-BFF0-48BC-9BA5-4974D7A6AB15}" type="datetimeFigureOut">
               <a:rPr lang="en-US" smtClean="0"/>
-              <a:t>1/13/17</a:t>
+              <a:t>2/25/17</a:t>
             </a:fld>
             <a:endParaRPr lang="en-US"/>
           </a:p>
@@ -680,7 +680,7 @@
           <a:p>
             <a:fld id="{70BA1CFD-BFF0-48BC-9BA5-4974D7A6AB15}" type="datetimeFigureOut">
               <a:rPr lang="en-US" smtClean="0"/>
-              <a:t>1/13/17</a:t>
+              <a:t>2/25/17</a:t>
             </a:fld>
             <a:endParaRPr lang="en-US"/>
           </a:p>
@@ -849,7 +849,7 @@
           <a:p>
             <a:fld id="{70BA1CFD-BFF0-48BC-9BA5-4974D7A6AB15}" type="datetimeFigureOut">
               <a:rPr lang="en-US" smtClean="0"/>
-              <a:t>1/13/17</a:t>
+              <a:t>2/25/17</a:t>
             </a:fld>
             <a:endParaRPr lang="en-US"/>
           </a:p>
@@ -1028,7 +1028,7 @@
           <a:p>
             <a:fld id="{70BA1CFD-BFF0-48BC-9BA5-4974D7A6AB15}" type="datetimeFigureOut">
               <a:rPr lang="en-US" smtClean="0"/>
-              <a:t>1/13/17</a:t>
+              <a:t>2/25/17</a:t>
             </a:fld>
             <a:endParaRPr lang="en-US"/>
           </a:p>
@@ -1197,7 +1197,7 @@
           <a:p>
             <a:fld id="{70BA1CFD-BFF0-48BC-9BA5-4974D7A6AB15}" type="datetimeFigureOut">
               <a:rPr lang="en-US" smtClean="0"/>
-              <a:t>1/13/17</a:t>
+              <a:t>2/25/17</a:t>
             </a:fld>
             <a:endParaRPr lang="en-US"/>
           </a:p>
@@ -1474,7 +1474,7 @@
           <a:p>
             <a:fld id="{70BA1CFD-BFF0-48BC-9BA5-4974D7A6AB15}" type="datetimeFigureOut">
               <a:rPr lang="en-US" smtClean="0"/>
-              <a:t>1/13/17</a:t>
+              <a:t>2/25/17</a:t>
             </a:fld>
             <a:endParaRPr lang="en-US"/>
           </a:p>
@@ -1766,7 +1766,7 @@
           <a:p>
             <a:fld id="{70BA1CFD-BFF0-48BC-9BA5-4974D7A6AB15}" type="datetimeFigureOut">
               <a:rPr lang="en-US" smtClean="0"/>
-              <a:t>1/13/17</a:t>
+              <a:t>2/25/17</a:t>
             </a:fld>
             <a:endParaRPr lang="en-US"/>
           </a:p>
@@ -2202,7 +2202,7 @@
           <a:p>
             <a:fld id="{70BA1CFD-BFF0-48BC-9BA5-4974D7A6AB15}" type="datetimeFigureOut">
               <a:rPr lang="en-US" smtClean="0"/>
-              <a:t>1/13/17</a:t>
+              <a:t>2/25/17</a:t>
             </a:fld>
             <a:endParaRPr lang="en-US"/>
           </a:p>
@@ -2315,7 +2315,7 @@
           <a:p>
             <a:fld id="{70BA1CFD-BFF0-48BC-9BA5-4974D7A6AB15}" type="datetimeFigureOut">
               <a:rPr lang="en-US" smtClean="0"/>
-              <a:t>1/13/17</a:t>
+              <a:t>2/25/17</a:t>
             </a:fld>
             <a:endParaRPr lang="en-US"/>
           </a:p>
@@ -2405,7 +2405,7 @@
           <a:p>
             <a:fld id="{70BA1CFD-BFF0-48BC-9BA5-4974D7A6AB15}" type="datetimeFigureOut">
               <a:rPr lang="en-US" smtClean="0"/>
-              <a:t>1/13/17</a:t>
+              <a:t>2/25/17</a:t>
             </a:fld>
             <a:endParaRPr lang="en-US"/>
           </a:p>
@@ -2742,7 +2742,7 @@
           <a:p>
             <a:fld id="{70BA1CFD-BFF0-48BC-9BA5-4974D7A6AB15}" type="datetimeFigureOut">
               <a:rPr lang="en-US" smtClean="0"/>
-              <a:t>1/13/17</a:t>
+              <a:t>2/25/17</a:t>
             </a:fld>
             <a:endParaRPr lang="en-US"/>
           </a:p>
@@ -3057,7 +3057,7 @@
           <a:p>
             <a:fld id="{70BA1CFD-BFF0-48BC-9BA5-4974D7A6AB15}" type="datetimeFigureOut">
               <a:rPr lang="en-US" smtClean="0"/>
-              <a:t>1/13/17</a:t>
+              <a:t>2/25/17</a:t>
             </a:fld>
             <a:endParaRPr lang="en-US"/>
           </a:p>
@@ -3303,7 +3303,7 @@
           <a:p>
             <a:fld id="{70BA1CFD-BFF0-48BC-9BA5-4974D7A6AB15}" type="datetimeFigureOut">
               <a:rPr lang="en-US" smtClean="0"/>
-              <a:t>1/13/17</a:t>
+              <a:t>2/25/17</a:t>
             </a:fld>
             <a:endParaRPr lang="en-US"/>
           </a:p>
@@ -12495,6 +12495,55 @@
           </a:p>
         </p:txBody>
       </p:sp>
+      <p:sp>
+        <p:nvSpPr>
+          <p:cNvPr id="16" name="TextBox 15"/>
+          <p:cNvSpPr txBox="1"/>
+          <p:nvPr/>
+        </p:nvSpPr>
+        <p:spPr>
+          <a:xfrm rot="19437450">
+            <a:off x="318226" y="2603521"/>
+            <a:ext cx="8581918" cy="1569660"/>
+          </a:xfrm>
+          <a:prstGeom prst="rect">
+            <a:avLst/>
+          </a:prstGeom>
+          <a:solidFill>
+            <a:schemeClr val="accent2"/>
+          </a:solidFill>
+        </p:spPr>
+        <p:txBody>
+          <a:bodyPr wrap="square" rtlCol="0">
+            <a:spAutoFit/>
+          </a:bodyPr>
+          <a:lstStyle/>
+          <a:p>
+            <a:pPr algn="ctr"/>
+            <a:r>
+              <a:rPr lang="en-US" sz="3200" dirty="0" smtClean="0"/>
+              <a:t>CANT use this with ZHOU </a:t>
+            </a:r>
+            <a:r>
+              <a:rPr lang="en-US" sz="3200" smtClean="0"/>
+              <a:t>as node numbers </a:t>
+            </a:r>
+            <a:r>
+              <a:rPr lang="en-US" sz="3200" dirty="0" smtClean="0"/>
+              <a:t>are not even as some large nodes are converted to </a:t>
+            </a:r>
+            <a:r>
+              <a:rPr lang="en-US" sz="3200" dirty="0" err="1" smtClean="0"/>
+              <a:t>smallnodes</a:t>
+            </a:r>
+            <a:r>
+              <a:rPr lang="en-US" sz="3200" dirty="0" smtClean="0"/>
+              <a:t>.</a:t>
+            </a:r>
+            <a:endParaRPr lang="en-US" sz="3200" dirty="0"/>
+          </a:p>
+        </p:txBody>
+      </p:sp>
     </p:spTree>
     <p:extLst>
       <p:ext uri="{BB962C8B-B14F-4D97-AF65-F5344CB8AC3E}">

--- a/fastKdTree/Documents/FastKdTree.pptx
+++ b/fastKdTree/Documents/FastKdTree.pptx
@@ -12522,23 +12522,7 @@
             <a:pPr algn="ctr"/>
             <a:r>
               <a:rPr lang="en-US" sz="3200" dirty="0" smtClean="0"/>
-              <a:t>CANT use this with ZHOU </a:t>
-            </a:r>
-            <a:r>
-              <a:rPr lang="en-US" sz="3200" smtClean="0"/>
-              <a:t>as node numbers </a:t>
-            </a:r>
-            <a:r>
-              <a:rPr lang="en-US" sz="3200" dirty="0" smtClean="0"/>
-              <a:t>are not even as some large nodes are converted to </a:t>
-            </a:r>
-            <a:r>
-              <a:rPr lang="en-US" sz="3200" dirty="0" err="1" smtClean="0"/>
-              <a:t>smallnodes</a:t>
-            </a:r>
-            <a:r>
-              <a:rPr lang="en-US" sz="3200" dirty="0" smtClean="0"/>
-              <a:t>.</a:t>
+              <a:t>CANT use this with ZHOU as node numbers are not even as some large nodes are converted to small nodes.</a:t>
             </a:r>
             <a:endParaRPr lang="en-US" sz="3200" dirty="0"/>
           </a:p>
